--- a/presentation/kubo_20231220.pptx
+++ b/presentation/kubo_20231220.pptx
@@ -6,12 +6,15 @@
     <p:sldMasterId id="2147483660" r:id="rId2"/>
   </p:sldMasterIdLst>
   <p:notesMasterIdLst>
-    <p:notesMasterId r:id="rId6"/>
+    <p:notesMasterId r:id="rId9"/>
   </p:notesMasterIdLst>
   <p:sldIdLst>
     <p:sldId id="256" r:id="rId3"/>
     <p:sldId id="257" r:id="rId4"/>
     <p:sldId id="258" r:id="rId5"/>
+    <p:sldId id="259" r:id="rId6"/>
+    <p:sldId id="260" r:id="rId7"/>
+    <p:sldId id="261" r:id="rId8"/>
   </p:sldIdLst>
   <p:sldSz cx="12192000" cy="6858000"/>
   <p:notesSz cx="6858000" cy="9144000"/>
@@ -110,6 +113,11 @@
       </a:defRPr>
     </a:lvl9pPr>
   </p:defaultTextStyle>
+  <p:extLst>
+    <p:ext uri="{EFAFB233-063F-42B5-8137-9DF3F51BA10A}">
+      <p15:sldGuideLst xmlns:p15="http://schemas.microsoft.com/office/powerpoint/2012/main"/>
+    </p:ext>
+  </p:extLst>
 </p:presentation>
 </file>
 
@@ -195,7 +203,7 @@
           <a:p>
             <a:fld id="{E813A841-E980-4E6F-9103-7E9B0749039E}" type="datetimeFigureOut">
               <a:rPr kumimoji="1" lang="ja-JP" altLang="en-US" smtClean="0"/>
-              <a:t>2023/12/15</a:t>
+              <a:t>2023/12/17</a:t>
             </a:fld>
             <a:endParaRPr kumimoji="1" lang="ja-JP" altLang="en-US"/>
           </a:p>
@@ -796,7 +804,7 @@
           <a:p>
             <a:fld id="{8103A7BF-C2BD-4571-8F37-0AC693B1CFDD}" type="datetimeFigureOut">
               <a:rPr kumimoji="1" lang="ja-JP" altLang="en-US" smtClean="0"/>
-              <a:t>2023/12/15</a:t>
+              <a:t>2023/12/17</a:t>
             </a:fld>
             <a:endParaRPr kumimoji="1" lang="ja-JP" altLang="en-US"/>
           </a:p>
@@ -1026,7 +1034,7 @@
           <a:p>
             <a:fld id="{8103A7BF-C2BD-4571-8F37-0AC693B1CFDD}" type="datetimeFigureOut">
               <a:rPr kumimoji="1" lang="ja-JP" altLang="en-US" smtClean="0"/>
-              <a:t>2023/12/15</a:t>
+              <a:t>2023/12/17</a:t>
             </a:fld>
             <a:endParaRPr kumimoji="1" lang="ja-JP" altLang="en-US"/>
           </a:p>
@@ -1266,7 +1274,7 @@
           <a:p>
             <a:fld id="{8103A7BF-C2BD-4571-8F37-0AC693B1CFDD}" type="datetimeFigureOut">
               <a:rPr kumimoji="1" lang="ja-JP" altLang="en-US" smtClean="0"/>
-              <a:t>2023/12/15</a:t>
+              <a:t>2023/12/17</a:t>
             </a:fld>
             <a:endParaRPr kumimoji="1" lang="ja-JP" altLang="en-US"/>
           </a:p>
@@ -1477,7 +1485,7 @@
           <a:p>
             <a:fld id="{6ABE8D4E-7258-417A-B6F3-8EBF468068A5}" type="datetime1">
               <a:rPr lang="ja-JP" altLang="en-US" smtClean="0"/>
-              <a:t>2023/12/15</a:t>
+              <a:t>2023/12/17</a:t>
             </a:fld>
             <a:endParaRPr lang="ja-JP" altLang="en-US"/>
           </a:p>
@@ -1687,7 +1695,7 @@
           <a:p>
             <a:fld id="{3EE0AC0E-A657-4687-8521-6B37CBE60475}" type="datetime1">
               <a:rPr kumimoji="1" lang="ja-JP" altLang="en-US" smtClean="0"/>
-              <a:t>2023/12/15</a:t>
+              <a:t>2023/12/17</a:t>
             </a:fld>
             <a:endParaRPr kumimoji="1" lang="ja-JP" altLang="en-US"/>
           </a:p>
@@ -1932,7 +1940,7 @@
           <a:p>
             <a:fld id="{FDDDE4F0-8190-451D-B106-3291633B3B9E}" type="datetime1">
               <a:rPr kumimoji="1" lang="ja-JP" altLang="en-US" smtClean="0"/>
-              <a:t>2023/12/15</a:t>
+              <a:t>2023/12/17</a:t>
             </a:fld>
             <a:endParaRPr kumimoji="1" lang="ja-JP" altLang="en-US"/>
           </a:p>
@@ -2225,7 +2233,7 @@
           <a:p>
             <a:fld id="{633E7E3A-4F32-4D59-A392-1389FEFFFB4E}" type="datetime1">
               <a:rPr kumimoji="1" lang="ja-JP" altLang="en-US" smtClean="0"/>
-              <a:t>2023/12/15</a:t>
+              <a:t>2023/12/17</a:t>
             </a:fld>
             <a:endParaRPr kumimoji="1" lang="ja-JP" altLang="en-US"/>
           </a:p>
@@ -2653,7 +2661,7 @@
           <a:p>
             <a:fld id="{1F4C4689-CC93-4812-8E85-C3F2C70F1C07}" type="datetime1">
               <a:rPr kumimoji="1" lang="ja-JP" altLang="en-US" smtClean="0"/>
-              <a:t>2023/12/15</a:t>
+              <a:t>2023/12/17</a:t>
             </a:fld>
             <a:endParaRPr kumimoji="1" lang="ja-JP" altLang="en-US"/>
           </a:p>
@@ -2770,7 +2778,7 @@
           <a:p>
             <a:fld id="{EE594700-5266-4887-89B0-A48040681036}" type="datetime1">
               <a:rPr kumimoji="1" lang="ja-JP" altLang="en-US" smtClean="0"/>
-              <a:t>2023/12/15</a:t>
+              <a:t>2023/12/17</a:t>
             </a:fld>
             <a:endParaRPr kumimoji="1" lang="ja-JP" altLang="en-US"/>
           </a:p>
@@ -2865,7 +2873,7 @@
           <a:p>
             <a:fld id="{DC592BC9-C83A-4375-ABB2-552FE00592CD}" type="datetime1">
               <a:rPr kumimoji="1" lang="ja-JP" altLang="en-US" smtClean="0"/>
-              <a:t>2023/12/15</a:t>
+              <a:t>2023/12/17</a:t>
             </a:fld>
             <a:endParaRPr kumimoji="1" lang="ja-JP" altLang="en-US"/>
           </a:p>
@@ -3172,7 +3180,7 @@
           <a:p>
             <a:fld id="{9D0A598B-3145-4C47-B0CB-C3AB5EF92870}" type="datetime1">
               <a:rPr kumimoji="1" lang="ja-JP" altLang="en-US" smtClean="0"/>
-              <a:t>2023/12/15</a:t>
+              <a:t>2023/12/17</a:t>
             </a:fld>
             <a:endParaRPr kumimoji="1" lang="ja-JP" altLang="en-US"/>
           </a:p>
@@ -3390,7 +3398,7 @@
           <a:p>
             <a:fld id="{8103A7BF-C2BD-4571-8F37-0AC693B1CFDD}" type="datetimeFigureOut">
               <a:rPr kumimoji="1" lang="ja-JP" altLang="en-US" smtClean="0"/>
-              <a:t>2023/12/15</a:t>
+              <a:t>2023/12/17</a:t>
             </a:fld>
             <a:endParaRPr kumimoji="1" lang="ja-JP" altLang="en-US"/>
           </a:p>
@@ -3654,7 +3662,7 @@
           <a:p>
             <a:fld id="{AEA00F4C-F03E-45B0-95F1-52FEE227CF33}" type="datetime1">
               <a:rPr kumimoji="1" lang="ja-JP" altLang="en-US" smtClean="0"/>
-              <a:t>2023/12/15</a:t>
+              <a:t>2023/12/17</a:t>
             </a:fld>
             <a:endParaRPr kumimoji="1" lang="ja-JP" altLang="en-US"/>
           </a:p>
@@ -3854,7 +3862,7 @@
           <a:p>
             <a:fld id="{5F54CE4B-3796-4BF5-BB55-BBEBFEF50CBB}" type="datetime1">
               <a:rPr kumimoji="1" lang="ja-JP" altLang="en-US" smtClean="0"/>
-              <a:t>2023/12/15</a:t>
+              <a:t>2023/12/17</a:t>
             </a:fld>
             <a:endParaRPr kumimoji="1" lang="ja-JP" altLang="en-US"/>
           </a:p>
@@ -4064,7 +4072,7 @@
           <a:p>
             <a:fld id="{67F2E5A7-8044-4762-8DA2-4DFDDEB196F2}" type="datetime1">
               <a:rPr kumimoji="1" lang="ja-JP" altLang="en-US" smtClean="0"/>
-              <a:t>2023/12/15</a:t>
+              <a:t>2023/12/17</a:t>
             </a:fld>
             <a:endParaRPr kumimoji="1" lang="ja-JP" altLang="en-US"/>
           </a:p>
@@ -4327,7 +4335,7 @@
           <a:p>
             <a:fld id="{8103A7BF-C2BD-4571-8F37-0AC693B1CFDD}" type="datetimeFigureOut">
               <a:rPr kumimoji="1" lang="ja-JP" altLang="en-US" smtClean="0"/>
-              <a:t>2023/12/15</a:t>
+              <a:t>2023/12/17</a:t>
             </a:fld>
             <a:endParaRPr kumimoji="1" lang="ja-JP" altLang="en-US"/>
           </a:p>
@@ -4656,7 +4664,7 @@
           <a:p>
             <a:fld id="{8103A7BF-C2BD-4571-8F37-0AC693B1CFDD}" type="datetimeFigureOut">
               <a:rPr kumimoji="1" lang="ja-JP" altLang="en-US" smtClean="0"/>
-              <a:t>2023/12/15</a:t>
+              <a:t>2023/12/17</a:t>
             </a:fld>
             <a:endParaRPr kumimoji="1" lang="ja-JP" altLang="en-US"/>
           </a:p>
@@ -5132,7 +5140,7 @@
           <a:p>
             <a:fld id="{8103A7BF-C2BD-4571-8F37-0AC693B1CFDD}" type="datetimeFigureOut">
               <a:rPr kumimoji="1" lang="ja-JP" altLang="en-US" smtClean="0"/>
-              <a:t>2023/12/15</a:t>
+              <a:t>2023/12/17</a:t>
             </a:fld>
             <a:endParaRPr kumimoji="1" lang="ja-JP" altLang="en-US"/>
           </a:p>
@@ -5273,7 +5281,7 @@
           <a:p>
             <a:fld id="{8103A7BF-C2BD-4571-8F37-0AC693B1CFDD}" type="datetimeFigureOut">
               <a:rPr kumimoji="1" lang="ja-JP" altLang="en-US" smtClean="0"/>
-              <a:t>2023/12/15</a:t>
+              <a:t>2023/12/17</a:t>
             </a:fld>
             <a:endParaRPr kumimoji="1" lang="ja-JP" altLang="en-US"/>
           </a:p>
@@ -5386,7 +5394,7 @@
           <a:p>
             <a:fld id="{8103A7BF-C2BD-4571-8F37-0AC693B1CFDD}" type="datetimeFigureOut">
               <a:rPr kumimoji="1" lang="ja-JP" altLang="en-US" smtClean="0"/>
-              <a:t>2023/12/15</a:t>
+              <a:t>2023/12/17</a:t>
             </a:fld>
             <a:endParaRPr kumimoji="1" lang="ja-JP" altLang="en-US"/>
           </a:p>
@@ -5729,7 +5737,7 @@
           <a:p>
             <a:fld id="{8103A7BF-C2BD-4571-8F37-0AC693B1CFDD}" type="datetimeFigureOut">
               <a:rPr kumimoji="1" lang="ja-JP" altLang="en-US" smtClean="0"/>
-              <a:t>2023/12/15</a:t>
+              <a:t>2023/12/17</a:t>
             </a:fld>
             <a:endParaRPr kumimoji="1" lang="ja-JP" altLang="en-US"/>
           </a:p>
@@ -6017,7 +6025,7 @@
           <a:p>
             <a:fld id="{8103A7BF-C2BD-4571-8F37-0AC693B1CFDD}" type="datetimeFigureOut">
               <a:rPr kumimoji="1" lang="ja-JP" altLang="en-US" smtClean="0"/>
-              <a:t>2023/12/15</a:t>
+              <a:t>2023/12/17</a:t>
             </a:fld>
             <a:endParaRPr kumimoji="1" lang="ja-JP" altLang="en-US"/>
           </a:p>
@@ -6290,7 +6298,7 @@
           <a:p>
             <a:fld id="{8103A7BF-C2BD-4571-8F37-0AC693B1CFDD}" type="datetimeFigureOut">
               <a:rPr kumimoji="1" lang="ja-JP" altLang="en-US" smtClean="0"/>
-              <a:t>2023/12/15</a:t>
+              <a:t>2023/12/17</a:t>
             </a:fld>
             <a:endParaRPr kumimoji="1" lang="ja-JP" altLang="en-US"/>
           </a:p>
@@ -6872,7 +6880,7 @@
           <a:p>
             <a:fld id="{C633444E-248D-4B74-875A-DE7E1D139756}" type="datetime1">
               <a:rPr kumimoji="1" lang="ja-JP" altLang="en-US" smtClean="0"/>
-              <a:t>2023/12/15</a:t>
+              <a:t>2023/12/17</a:t>
             </a:fld>
             <a:endParaRPr kumimoji="1" lang="ja-JP" altLang="en-US"/>
           </a:p>
@@ -7922,56 +7930,6 @@
       </p:grpSpPr>
       <p:sp>
         <p:nvSpPr>
-          <p:cNvPr id="2" name="タイトル 1">
-            <a:extLst>
-              <a:ext uri="{FF2B5EF4-FFF2-40B4-BE49-F238E27FC236}">
-                <a16:creationId xmlns:a16="http://schemas.microsoft.com/office/drawing/2014/main" id="{C619B3BD-491B-446A-BBC6-DE7707407546}"/>
-              </a:ext>
-            </a:extLst>
-          </p:cNvPr>
-          <p:cNvSpPr>
-            <a:spLocks noGrp="1"/>
-          </p:cNvSpPr>
-          <p:nvPr>
-            <p:ph type="title"/>
-          </p:nvPr>
-        </p:nvSpPr>
-        <p:spPr/>
-        <p:txBody>
-          <a:bodyPr/>
-          <a:lstStyle/>
-          <a:p>
-            <a:endParaRPr kumimoji="1" lang="ja-JP" altLang="en-US"/>
-          </a:p>
-        </p:txBody>
-      </p:sp>
-      <p:sp>
-        <p:nvSpPr>
-          <p:cNvPr id="3" name="コンテンツ プレースホルダー 2">
-            <a:extLst>
-              <a:ext uri="{FF2B5EF4-FFF2-40B4-BE49-F238E27FC236}">
-                <a16:creationId xmlns:a16="http://schemas.microsoft.com/office/drawing/2014/main" id="{EA22E636-691B-4A2A-8B62-467B14767B90}"/>
-              </a:ext>
-            </a:extLst>
-          </p:cNvPr>
-          <p:cNvSpPr>
-            <a:spLocks noGrp="1"/>
-          </p:cNvSpPr>
-          <p:nvPr>
-            <p:ph idx="1"/>
-          </p:nvPr>
-        </p:nvSpPr>
-        <p:spPr/>
-        <p:txBody>
-          <a:bodyPr/>
-          <a:lstStyle/>
-          <a:p>
-            <a:endParaRPr kumimoji="1" lang="ja-JP" altLang="en-US" dirty="0"/>
-          </a:p>
-        </p:txBody>
-      </p:sp>
-      <p:sp>
-        <p:nvSpPr>
           <p:cNvPr id="4" name="スライド番号プレースホルダー 3">
             <a:extLst>
               <a:ext uri="{FF2B5EF4-FFF2-40B4-BE49-F238E27FC236}">
@@ -8087,10 +8045,668 @@
           </a:p>
         </p:txBody>
       </p:sp>
+      <p:sp>
+        <p:nvSpPr>
+          <p:cNvPr id="6" name="タイトル 1"/>
+          <p:cNvSpPr>
+            <a:spLocks noGrp="1"/>
+          </p:cNvSpPr>
+          <p:nvPr>
+            <p:ph type="title"/>
+          </p:nvPr>
+        </p:nvSpPr>
+        <p:spPr>
+          <a:xfrm>
+            <a:off x="72887" y="0"/>
+            <a:ext cx="10515600" cy="1325563"/>
+          </a:xfrm>
+        </p:spPr>
+        <p:txBody>
+          <a:bodyPr/>
+          <a:lstStyle/>
+          <a:p>
+            <a:r>
+              <a:rPr kumimoji="1" lang="en-US" altLang="ja-JP" smtClean="0"/>
+              <a:t>Progress</a:t>
+            </a:r>
+            <a:endParaRPr kumimoji="1" lang="ja-JP" altLang="en-US"/>
+          </a:p>
+        </p:txBody>
+      </p:sp>
+      <p:sp>
+        <p:nvSpPr>
+          <p:cNvPr id="7" name="コンテンツ プレースホルダー 2"/>
+          <p:cNvSpPr>
+            <a:spLocks noGrp="1"/>
+          </p:cNvSpPr>
+          <p:nvPr>
+            <p:ph idx="1"/>
+          </p:nvPr>
+        </p:nvSpPr>
+        <p:spPr>
+          <a:xfrm>
+            <a:off x="838200" y="1825625"/>
+            <a:ext cx="10515600" cy="4351338"/>
+          </a:xfrm>
+        </p:spPr>
+        <p:txBody>
+          <a:bodyPr>
+            <a:normAutofit/>
+          </a:bodyPr>
+          <a:lstStyle/>
+          <a:p>
+            <a:r>
+              <a:rPr lang="en-US" altLang="ja-JP" sz="2400" smtClean="0"/>
+              <a:t>Determined partition number of k-space grids</a:t>
+            </a:r>
+          </a:p>
+          <a:p>
+            <a:endParaRPr lang="en-US" altLang="ja-JP" sz="2400" smtClean="0"/>
+          </a:p>
+          <a:p>
+            <a:r>
+              <a:rPr lang="en-US" altLang="ja-JP" sz="2400" smtClean="0"/>
+              <a:t>Implemented EMC (Emsemble Monte Carlo) considering Fermi degeneracy effect.</a:t>
+            </a:r>
+            <a:endParaRPr lang="ja-JP" altLang="en-US" sz="2400" dirty="0"/>
+          </a:p>
+        </p:txBody>
+      </p:sp>
     </p:spTree>
     <p:extLst>
       <p:ext uri="{BB962C8B-B14F-4D97-AF65-F5344CB8AC3E}">
         <p14:creationId xmlns:p14="http://schemas.microsoft.com/office/powerpoint/2010/main" val="228479404"/>
+      </p:ext>
+    </p:extLst>
+  </p:cSld>
+  <p:clrMapOvr>
+    <a:masterClrMapping/>
+  </p:clrMapOvr>
+</p:sld>
+</file>
+
+<file path=ppt/slides/slide4.xml><?xml version="1.0" encoding="utf-8"?>
+<p:sld xmlns:a="http://schemas.openxmlformats.org/drawingml/2006/main" xmlns:r="http://schemas.openxmlformats.org/officeDocument/2006/relationships" xmlns:p="http://schemas.openxmlformats.org/presentationml/2006/main">
+  <p:cSld>
+    <p:spTree>
+      <p:nvGrpSpPr>
+        <p:cNvPr id="1" name=""/>
+        <p:cNvGrpSpPr/>
+        <p:nvPr/>
+      </p:nvGrpSpPr>
+      <p:grpSpPr>
+        <a:xfrm>
+          <a:off x="0" y="0"/>
+          <a:ext cx="0" cy="0"/>
+          <a:chOff x="0" y="0"/>
+          <a:chExt cx="0" cy="0"/>
+        </a:xfrm>
+      </p:grpSpPr>
+      <p:sp>
+        <p:nvSpPr>
+          <p:cNvPr id="4" name="スライド番号プレースホルダー 3">
+            <a:extLst>
+              <a:ext uri="{FF2B5EF4-FFF2-40B4-BE49-F238E27FC236}">
+                <a16:creationId xmlns:a16="http://schemas.microsoft.com/office/drawing/2014/main" id="{1FF68A3C-AD5A-4EEF-963D-BBED61F4671E}"/>
+              </a:ext>
+            </a:extLst>
+          </p:cNvPr>
+          <p:cNvSpPr>
+            <a:spLocks noGrp="1"/>
+          </p:cNvSpPr>
+          <p:nvPr>
+            <p:ph type="sldNum" sz="quarter" idx="12"/>
+          </p:nvPr>
+        </p:nvSpPr>
+        <p:spPr/>
+        <p:txBody>
+          <a:bodyPr/>
+          <a:lstStyle/>
+          <a:p>
+            <a:fld id="{7150E25F-B8C9-4ED1-8626-95CB18EC23DC}" type="slidenum">
+              <a:rPr kumimoji="1" lang="ja-JP" altLang="en-US" smtClean="0"/>
+              <a:t>4</a:t>
+            </a:fld>
+            <a:endParaRPr kumimoji="1" lang="ja-JP" altLang="en-US"/>
+          </a:p>
+        </p:txBody>
+      </p:sp>
+      <p:sp>
+        <p:nvSpPr>
+          <p:cNvPr id="5" name="正方形/長方形 4">
+            <a:extLst>
+              <a:ext uri="{FF2B5EF4-FFF2-40B4-BE49-F238E27FC236}">
+                <a16:creationId xmlns:a16="http://schemas.microsoft.com/office/drawing/2014/main" id="{A0433EE0-8BAC-4A64-9CAF-B8A73F30F5CA}"/>
+              </a:ext>
+            </a:extLst>
+          </p:cNvPr>
+          <p:cNvSpPr/>
+          <p:nvPr/>
+        </p:nvSpPr>
+        <p:spPr>
+          <a:xfrm>
+            <a:off x="-1" y="-1"/>
+            <a:ext cx="12192001" cy="1242391"/>
+          </a:xfrm>
+          <a:prstGeom prst="rect">
+            <a:avLst/>
+          </a:prstGeom>
+          <a:solidFill>
+            <a:srgbClr val="00B036">
+              <a:alpha val="72000"/>
+            </a:srgbClr>
+          </a:solidFill>
+          <a:ln>
+            <a:solidFill>
+              <a:schemeClr val="accent1">
+                <a:shade val="50000"/>
+                <a:alpha val="0"/>
+              </a:schemeClr>
+            </a:solidFill>
+          </a:ln>
+        </p:spPr>
+        <p:style>
+          <a:lnRef idx="2">
+            <a:schemeClr val="accent1">
+              <a:shade val="50000"/>
+            </a:schemeClr>
+          </a:lnRef>
+          <a:fillRef idx="1">
+            <a:schemeClr val="accent1"/>
+          </a:fillRef>
+          <a:effectRef idx="0">
+            <a:schemeClr val="accent1"/>
+          </a:effectRef>
+          <a:fontRef idx="minor">
+            <a:schemeClr val="lt1"/>
+          </a:fontRef>
+        </p:style>
+        <p:txBody>
+          <a:bodyPr rtlCol="0" anchor="ctr"/>
+          <a:lstStyle/>
+          <a:p>
+            <a:pPr marL="0" marR="0" lvl="0" indent="0" algn="ctr" defTabSz="914400" rtl="0" eaLnBrk="1" fontAlgn="auto" latinLnBrk="0" hangingPunct="1">
+              <a:lnSpc>
+                <a:spcPct val="100000"/>
+              </a:lnSpc>
+              <a:spcBef>
+                <a:spcPts val="0"/>
+              </a:spcBef>
+              <a:spcAft>
+                <a:spcPts val="0"/>
+              </a:spcAft>
+              <a:buClrTx/>
+              <a:buSzTx/>
+              <a:buFontTx/>
+              <a:buNone/>
+              <a:tabLst/>
+              <a:defRPr/>
+            </a:pPr>
+            <a:endParaRPr kumimoji="1" lang="ja-JP" altLang="en-US" sz="1800" b="0" i="0" u="none" strike="noStrike" kern="1200" cap="none" spc="0" normalizeH="0" baseline="0" noProof="0" dirty="0">
+              <a:ln>
+                <a:noFill/>
+              </a:ln>
+              <a:solidFill>
+                <a:prstClr val="white"/>
+              </a:solidFill>
+              <a:effectLst/>
+              <a:uLnTx/>
+              <a:uFillTx/>
+              <a:latin typeface="メイリオ"/>
+              <a:ea typeface="メイリオ"/>
+              <a:cs typeface="+mn-cs"/>
+            </a:endParaRPr>
+          </a:p>
+        </p:txBody>
+      </p:sp>
+      <p:sp>
+        <p:nvSpPr>
+          <p:cNvPr id="6" name="タイトル 1"/>
+          <p:cNvSpPr>
+            <a:spLocks noGrp="1"/>
+          </p:cNvSpPr>
+          <p:nvPr>
+            <p:ph type="title"/>
+          </p:nvPr>
+        </p:nvSpPr>
+        <p:spPr>
+          <a:xfrm>
+            <a:off x="72887" y="0"/>
+            <a:ext cx="10515600" cy="1325563"/>
+          </a:xfrm>
+        </p:spPr>
+        <p:txBody>
+          <a:bodyPr/>
+          <a:lstStyle/>
+          <a:p>
+            <a:endParaRPr kumimoji="1" lang="ja-JP" altLang="en-US"/>
+          </a:p>
+        </p:txBody>
+      </p:sp>
+      <p:sp>
+        <p:nvSpPr>
+          <p:cNvPr id="7" name="コンテンツ プレースホルダー 2"/>
+          <p:cNvSpPr>
+            <a:spLocks noGrp="1"/>
+          </p:cNvSpPr>
+          <p:nvPr>
+            <p:ph idx="1"/>
+          </p:nvPr>
+        </p:nvSpPr>
+        <p:spPr>
+          <a:xfrm>
+            <a:off x="838200" y="1825625"/>
+            <a:ext cx="10515600" cy="4351338"/>
+          </a:xfrm>
+        </p:spPr>
+        <p:txBody>
+          <a:bodyPr>
+            <a:normAutofit/>
+          </a:bodyPr>
+          <a:lstStyle/>
+          <a:p>
+            <a:endParaRPr lang="ja-JP" altLang="en-US" sz="2400" dirty="0"/>
+          </a:p>
+        </p:txBody>
+      </p:sp>
+    </p:spTree>
+    <p:extLst>
+      <p:ext uri="{BB962C8B-B14F-4D97-AF65-F5344CB8AC3E}">
+        <p14:creationId xmlns:p14="http://schemas.microsoft.com/office/powerpoint/2010/main" val="3807914222"/>
+      </p:ext>
+    </p:extLst>
+  </p:cSld>
+  <p:clrMapOvr>
+    <a:masterClrMapping/>
+  </p:clrMapOvr>
+</p:sld>
+</file>
+
+<file path=ppt/slides/slide5.xml><?xml version="1.0" encoding="utf-8"?>
+<p:sld xmlns:a="http://schemas.openxmlformats.org/drawingml/2006/main" xmlns:r="http://schemas.openxmlformats.org/officeDocument/2006/relationships" xmlns:p="http://schemas.openxmlformats.org/presentationml/2006/main">
+  <p:cSld>
+    <p:spTree>
+      <p:nvGrpSpPr>
+        <p:cNvPr id="1" name=""/>
+        <p:cNvGrpSpPr/>
+        <p:nvPr/>
+      </p:nvGrpSpPr>
+      <p:grpSpPr>
+        <a:xfrm>
+          <a:off x="0" y="0"/>
+          <a:ext cx="0" cy="0"/>
+          <a:chOff x="0" y="0"/>
+          <a:chExt cx="0" cy="0"/>
+        </a:xfrm>
+      </p:grpSpPr>
+      <p:sp>
+        <p:nvSpPr>
+          <p:cNvPr id="4" name="スライド番号プレースホルダー 3">
+            <a:extLst>
+              <a:ext uri="{FF2B5EF4-FFF2-40B4-BE49-F238E27FC236}">
+                <a16:creationId xmlns:a16="http://schemas.microsoft.com/office/drawing/2014/main" id="{1FF68A3C-AD5A-4EEF-963D-BBED61F4671E}"/>
+              </a:ext>
+            </a:extLst>
+          </p:cNvPr>
+          <p:cNvSpPr>
+            <a:spLocks noGrp="1"/>
+          </p:cNvSpPr>
+          <p:nvPr>
+            <p:ph type="sldNum" sz="quarter" idx="12"/>
+          </p:nvPr>
+        </p:nvSpPr>
+        <p:spPr/>
+        <p:txBody>
+          <a:bodyPr/>
+          <a:lstStyle/>
+          <a:p>
+            <a:fld id="{7150E25F-B8C9-4ED1-8626-95CB18EC23DC}" type="slidenum">
+              <a:rPr kumimoji="1" lang="ja-JP" altLang="en-US" smtClean="0"/>
+              <a:t>5</a:t>
+            </a:fld>
+            <a:endParaRPr kumimoji="1" lang="ja-JP" altLang="en-US"/>
+          </a:p>
+        </p:txBody>
+      </p:sp>
+      <p:sp>
+        <p:nvSpPr>
+          <p:cNvPr id="5" name="正方形/長方形 4">
+            <a:extLst>
+              <a:ext uri="{FF2B5EF4-FFF2-40B4-BE49-F238E27FC236}">
+                <a16:creationId xmlns:a16="http://schemas.microsoft.com/office/drawing/2014/main" id="{A0433EE0-8BAC-4A64-9CAF-B8A73F30F5CA}"/>
+              </a:ext>
+            </a:extLst>
+          </p:cNvPr>
+          <p:cNvSpPr/>
+          <p:nvPr/>
+        </p:nvSpPr>
+        <p:spPr>
+          <a:xfrm>
+            <a:off x="-1" y="-1"/>
+            <a:ext cx="12192001" cy="1242391"/>
+          </a:xfrm>
+          <a:prstGeom prst="rect">
+            <a:avLst/>
+          </a:prstGeom>
+          <a:solidFill>
+            <a:srgbClr val="00B036">
+              <a:alpha val="72000"/>
+            </a:srgbClr>
+          </a:solidFill>
+          <a:ln>
+            <a:solidFill>
+              <a:schemeClr val="accent1">
+                <a:shade val="50000"/>
+                <a:alpha val="0"/>
+              </a:schemeClr>
+            </a:solidFill>
+          </a:ln>
+        </p:spPr>
+        <p:style>
+          <a:lnRef idx="2">
+            <a:schemeClr val="accent1">
+              <a:shade val="50000"/>
+            </a:schemeClr>
+          </a:lnRef>
+          <a:fillRef idx="1">
+            <a:schemeClr val="accent1"/>
+          </a:fillRef>
+          <a:effectRef idx="0">
+            <a:schemeClr val="accent1"/>
+          </a:effectRef>
+          <a:fontRef idx="minor">
+            <a:schemeClr val="lt1"/>
+          </a:fontRef>
+        </p:style>
+        <p:txBody>
+          <a:bodyPr rtlCol="0" anchor="ctr"/>
+          <a:lstStyle/>
+          <a:p>
+            <a:pPr marL="0" marR="0" lvl="0" indent="0" algn="ctr" defTabSz="914400" rtl="0" eaLnBrk="1" fontAlgn="auto" latinLnBrk="0" hangingPunct="1">
+              <a:lnSpc>
+                <a:spcPct val="100000"/>
+              </a:lnSpc>
+              <a:spcBef>
+                <a:spcPts val="0"/>
+              </a:spcBef>
+              <a:spcAft>
+                <a:spcPts val="0"/>
+              </a:spcAft>
+              <a:buClrTx/>
+              <a:buSzTx/>
+              <a:buFontTx/>
+              <a:buNone/>
+              <a:tabLst/>
+              <a:defRPr/>
+            </a:pPr>
+            <a:endParaRPr kumimoji="1" lang="ja-JP" altLang="en-US" sz="1800" b="0" i="0" u="none" strike="noStrike" kern="1200" cap="none" spc="0" normalizeH="0" baseline="0" noProof="0" dirty="0">
+              <a:ln>
+                <a:noFill/>
+              </a:ln>
+              <a:solidFill>
+                <a:prstClr val="white"/>
+              </a:solidFill>
+              <a:effectLst/>
+              <a:uLnTx/>
+              <a:uFillTx/>
+              <a:latin typeface="メイリオ"/>
+              <a:ea typeface="メイリオ"/>
+              <a:cs typeface="+mn-cs"/>
+            </a:endParaRPr>
+          </a:p>
+        </p:txBody>
+      </p:sp>
+      <p:sp>
+        <p:nvSpPr>
+          <p:cNvPr id="6" name="タイトル 1"/>
+          <p:cNvSpPr>
+            <a:spLocks noGrp="1"/>
+          </p:cNvSpPr>
+          <p:nvPr>
+            <p:ph type="title"/>
+          </p:nvPr>
+        </p:nvSpPr>
+        <p:spPr>
+          <a:xfrm>
+            <a:off x="72887" y="0"/>
+            <a:ext cx="10515600" cy="1325563"/>
+          </a:xfrm>
+        </p:spPr>
+        <p:txBody>
+          <a:bodyPr/>
+          <a:lstStyle/>
+          <a:p>
+            <a:endParaRPr kumimoji="1" lang="ja-JP" altLang="en-US"/>
+          </a:p>
+        </p:txBody>
+      </p:sp>
+      <p:sp>
+        <p:nvSpPr>
+          <p:cNvPr id="7" name="コンテンツ プレースホルダー 2"/>
+          <p:cNvSpPr>
+            <a:spLocks noGrp="1"/>
+          </p:cNvSpPr>
+          <p:nvPr>
+            <p:ph idx="1"/>
+          </p:nvPr>
+        </p:nvSpPr>
+        <p:spPr>
+          <a:xfrm>
+            <a:off x="838200" y="1825625"/>
+            <a:ext cx="10515600" cy="4351338"/>
+          </a:xfrm>
+        </p:spPr>
+        <p:txBody>
+          <a:bodyPr>
+            <a:normAutofit/>
+          </a:bodyPr>
+          <a:lstStyle/>
+          <a:p>
+            <a:endParaRPr lang="ja-JP" altLang="en-US" sz="2400" dirty="0"/>
+          </a:p>
+        </p:txBody>
+      </p:sp>
+    </p:spTree>
+    <p:extLst>
+      <p:ext uri="{BB962C8B-B14F-4D97-AF65-F5344CB8AC3E}">
+        <p14:creationId xmlns:p14="http://schemas.microsoft.com/office/powerpoint/2010/main" val="3420312546"/>
+      </p:ext>
+    </p:extLst>
+  </p:cSld>
+  <p:clrMapOvr>
+    <a:masterClrMapping/>
+  </p:clrMapOvr>
+</p:sld>
+</file>
+
+<file path=ppt/slides/slide6.xml><?xml version="1.0" encoding="utf-8"?>
+<p:sld xmlns:a="http://schemas.openxmlformats.org/drawingml/2006/main" xmlns:r="http://schemas.openxmlformats.org/officeDocument/2006/relationships" xmlns:p="http://schemas.openxmlformats.org/presentationml/2006/main">
+  <p:cSld>
+    <p:spTree>
+      <p:nvGrpSpPr>
+        <p:cNvPr id="1" name=""/>
+        <p:cNvGrpSpPr/>
+        <p:nvPr/>
+      </p:nvGrpSpPr>
+      <p:grpSpPr>
+        <a:xfrm>
+          <a:off x="0" y="0"/>
+          <a:ext cx="0" cy="0"/>
+          <a:chOff x="0" y="0"/>
+          <a:chExt cx="0" cy="0"/>
+        </a:xfrm>
+      </p:grpSpPr>
+      <p:sp>
+        <p:nvSpPr>
+          <p:cNvPr id="4" name="スライド番号プレースホルダー 3">
+            <a:extLst>
+              <a:ext uri="{FF2B5EF4-FFF2-40B4-BE49-F238E27FC236}">
+                <a16:creationId xmlns:a16="http://schemas.microsoft.com/office/drawing/2014/main" id="{1FF68A3C-AD5A-4EEF-963D-BBED61F4671E}"/>
+              </a:ext>
+            </a:extLst>
+          </p:cNvPr>
+          <p:cNvSpPr>
+            <a:spLocks noGrp="1"/>
+          </p:cNvSpPr>
+          <p:nvPr>
+            <p:ph type="sldNum" sz="quarter" idx="12"/>
+          </p:nvPr>
+        </p:nvSpPr>
+        <p:spPr/>
+        <p:txBody>
+          <a:bodyPr/>
+          <a:lstStyle/>
+          <a:p>
+            <a:fld id="{7150E25F-B8C9-4ED1-8626-95CB18EC23DC}" type="slidenum">
+              <a:rPr kumimoji="1" lang="ja-JP" altLang="en-US" smtClean="0"/>
+              <a:t>6</a:t>
+            </a:fld>
+            <a:endParaRPr kumimoji="1" lang="ja-JP" altLang="en-US"/>
+          </a:p>
+        </p:txBody>
+      </p:sp>
+      <p:sp>
+        <p:nvSpPr>
+          <p:cNvPr id="5" name="正方形/長方形 4">
+            <a:extLst>
+              <a:ext uri="{FF2B5EF4-FFF2-40B4-BE49-F238E27FC236}">
+                <a16:creationId xmlns:a16="http://schemas.microsoft.com/office/drawing/2014/main" id="{A0433EE0-8BAC-4A64-9CAF-B8A73F30F5CA}"/>
+              </a:ext>
+            </a:extLst>
+          </p:cNvPr>
+          <p:cNvSpPr/>
+          <p:nvPr/>
+        </p:nvSpPr>
+        <p:spPr>
+          <a:xfrm>
+            <a:off x="-1" y="-1"/>
+            <a:ext cx="12192001" cy="1242391"/>
+          </a:xfrm>
+          <a:prstGeom prst="rect">
+            <a:avLst/>
+          </a:prstGeom>
+          <a:solidFill>
+            <a:srgbClr val="00B036">
+              <a:alpha val="72000"/>
+            </a:srgbClr>
+          </a:solidFill>
+          <a:ln>
+            <a:solidFill>
+              <a:schemeClr val="accent1">
+                <a:shade val="50000"/>
+                <a:alpha val="0"/>
+              </a:schemeClr>
+            </a:solidFill>
+          </a:ln>
+        </p:spPr>
+        <p:style>
+          <a:lnRef idx="2">
+            <a:schemeClr val="accent1">
+              <a:shade val="50000"/>
+            </a:schemeClr>
+          </a:lnRef>
+          <a:fillRef idx="1">
+            <a:schemeClr val="accent1"/>
+          </a:fillRef>
+          <a:effectRef idx="0">
+            <a:schemeClr val="accent1"/>
+          </a:effectRef>
+          <a:fontRef idx="minor">
+            <a:schemeClr val="lt1"/>
+          </a:fontRef>
+        </p:style>
+        <p:txBody>
+          <a:bodyPr rtlCol="0" anchor="ctr"/>
+          <a:lstStyle/>
+          <a:p>
+            <a:pPr marL="0" marR="0" lvl="0" indent="0" algn="ctr" defTabSz="914400" rtl="0" eaLnBrk="1" fontAlgn="auto" latinLnBrk="0" hangingPunct="1">
+              <a:lnSpc>
+                <a:spcPct val="100000"/>
+              </a:lnSpc>
+              <a:spcBef>
+                <a:spcPts val="0"/>
+              </a:spcBef>
+              <a:spcAft>
+                <a:spcPts val="0"/>
+              </a:spcAft>
+              <a:buClrTx/>
+              <a:buSzTx/>
+              <a:buFontTx/>
+              <a:buNone/>
+              <a:tabLst/>
+              <a:defRPr/>
+            </a:pPr>
+            <a:endParaRPr kumimoji="1" lang="ja-JP" altLang="en-US" sz="1800" b="0" i="0" u="none" strike="noStrike" kern="1200" cap="none" spc="0" normalizeH="0" baseline="0" noProof="0" dirty="0">
+              <a:ln>
+                <a:noFill/>
+              </a:ln>
+              <a:solidFill>
+                <a:prstClr val="white"/>
+              </a:solidFill>
+              <a:effectLst/>
+              <a:uLnTx/>
+              <a:uFillTx/>
+              <a:latin typeface="メイリオ"/>
+              <a:ea typeface="メイリオ"/>
+              <a:cs typeface="+mn-cs"/>
+            </a:endParaRPr>
+          </a:p>
+        </p:txBody>
+      </p:sp>
+      <p:sp>
+        <p:nvSpPr>
+          <p:cNvPr id="6" name="タイトル 1"/>
+          <p:cNvSpPr>
+            <a:spLocks noGrp="1"/>
+          </p:cNvSpPr>
+          <p:nvPr>
+            <p:ph type="title"/>
+          </p:nvPr>
+        </p:nvSpPr>
+        <p:spPr>
+          <a:xfrm>
+            <a:off x="72887" y="0"/>
+            <a:ext cx="10515600" cy="1325563"/>
+          </a:xfrm>
+        </p:spPr>
+        <p:txBody>
+          <a:bodyPr/>
+          <a:lstStyle/>
+          <a:p>
+            <a:endParaRPr kumimoji="1" lang="ja-JP" altLang="en-US"/>
+          </a:p>
+        </p:txBody>
+      </p:sp>
+      <p:sp>
+        <p:nvSpPr>
+          <p:cNvPr id="7" name="コンテンツ プレースホルダー 2"/>
+          <p:cNvSpPr>
+            <a:spLocks noGrp="1"/>
+          </p:cNvSpPr>
+          <p:nvPr>
+            <p:ph idx="1"/>
+          </p:nvPr>
+        </p:nvSpPr>
+        <p:spPr>
+          <a:xfrm>
+            <a:off x="838200" y="1825625"/>
+            <a:ext cx="10515600" cy="4351338"/>
+          </a:xfrm>
+        </p:spPr>
+        <p:txBody>
+          <a:bodyPr>
+            <a:normAutofit/>
+          </a:bodyPr>
+          <a:lstStyle/>
+          <a:p>
+            <a:endParaRPr lang="ja-JP" altLang="en-US" sz="2400" dirty="0"/>
+          </a:p>
+        </p:txBody>
+      </p:sp>
+    </p:spTree>
+    <p:extLst>
+      <p:ext uri="{BB962C8B-B14F-4D97-AF65-F5344CB8AC3E}">
+        <p14:creationId xmlns:p14="http://schemas.microsoft.com/office/powerpoint/2010/main" val="2129330992"/>
       </p:ext>
     </p:extLst>
   </p:cSld>
